--- a/slides/10-data-humanism.pptx
+++ b/slides/10-data-humanism.pptx
@@ -5,7 +5,7 @@
     <p:sldMasterId id="2147483852" r:id="rId1"/>
   </p:sldMasterIdLst>
   <p:notesMasterIdLst>
-    <p:notesMasterId r:id="rId9"/>
+    <p:notesMasterId r:id="rId13"/>
   </p:notesMasterIdLst>
   <p:sldIdLst>
     <p:sldId id="256" r:id="rId2"/>
@@ -14,7 +14,11 @@
     <p:sldId id="260" r:id="rId5"/>
     <p:sldId id="262" r:id="rId6"/>
     <p:sldId id="261" r:id="rId7"/>
-    <p:sldId id="263" r:id="rId8"/>
+    <p:sldId id="264" r:id="rId8"/>
+    <p:sldId id="265" r:id="rId9"/>
+    <p:sldId id="266" r:id="rId10"/>
+    <p:sldId id="267" r:id="rId11"/>
+    <p:sldId id="263" r:id="rId12"/>
   </p:sldIdLst>
   <p:sldSz cx="12192000" cy="6858000"/>
   <p:notesSz cx="6858000" cy="9144000"/>
@@ -203,7 +207,7 @@
           <a:p>
             <a:fld id="{3CBB8A52-8AC5-C74C-97FB-632C448F3674}" type="datetimeFigureOut">
               <a:rPr lang="en-US" smtClean="0"/>
-              <a:t>8/23/24</a:t>
+              <a:t>9/13/24</a:t>
             </a:fld>
             <a:endParaRPr lang="en-US"/>
           </a:p>
@@ -836,41 +840,6 @@
           <a:bodyPr/>
           <a:lstStyle/>
           <a:p>
-            <a:r>
-              <a:rPr lang="en-US" dirty="0"/>
-              <a:t>Data represents real life </a:t>
-            </a:r>
-          </a:p>
-          <a:p>
-            <a:pPr marL="0" marR="0" lvl="0" indent="0" algn="l" defTabSz="914400" rtl="0" eaLnBrk="1" fontAlgn="auto" latinLnBrk="0" hangingPunct="1">
-              <a:lnSpc>
-                <a:spcPct val="100000"/>
-              </a:lnSpc>
-              <a:spcBef>
-                <a:spcPts val="0"/>
-              </a:spcBef>
-              <a:spcAft>
-                <a:spcPts val="0"/>
-              </a:spcAft>
-              <a:buClrTx/>
-              <a:buSzTx/>
-              <a:buFontTx/>
-              <a:buNone/>
-              <a:tabLst/>
-              <a:defRPr/>
-            </a:pPr>
-            <a:r>
-              <a:rPr lang="en-US" b="0" i="0" dirty="0">
-                <a:solidFill>
-                  <a:srgbClr val="000000"/>
-                </a:solidFill>
-                <a:effectLst/>
-                <a:latin typeface="europa"/>
-              </a:rPr>
-              <a:t>ways to connect numbers to what they really stand for: knowledge, behaviors, people.</a:t>
-            </a:r>
-          </a:p>
-          <a:p>
             <a:endParaRPr lang="en-US" dirty="0"/>
           </a:p>
         </p:txBody>
@@ -955,6 +924,107 @@
           <a:bodyPr/>
           <a:lstStyle/>
           <a:p>
+            <a:pPr algn="l"/>
+            <a:r>
+              <a:rPr lang="en-US" b="0" i="0" dirty="0">
+                <a:effectLst/>
+                <a:latin typeface="europa"/>
+              </a:rPr>
+              <a:t>Complexity is an inherent feature of our existence — the world is rich in information that can be combined in endless ways. Creating new points of view or uncovering something new typically cannot happen at a mere </a:t>
+            </a:r>
+            <a:r>
+              <a:rPr lang="en-US" b="0" i="0" dirty="0" err="1">
+                <a:effectLst/>
+                <a:latin typeface="europa"/>
+              </a:rPr>
+              <a:t>glance;this</a:t>
+            </a:r>
+            <a:r>
+              <a:rPr lang="en-US" b="0" i="0" dirty="0">
+                <a:effectLst/>
+                <a:latin typeface="europa"/>
+              </a:rPr>
+              <a:t> process of revelation often needs and requires an in-depth investigation of the context.</a:t>
+            </a:r>
+          </a:p>
+          <a:p>
+            <a:pPr algn="l"/>
+            <a:endParaRPr lang="en-US" b="0" i="0" dirty="0">
+              <a:effectLst/>
+              <a:latin typeface="europa"/>
+            </a:endParaRPr>
+          </a:p>
+          <a:p>
+            <a:pPr algn="l"/>
+            <a:r>
+              <a:rPr lang="en-US" b="0" i="0" dirty="0">
+                <a:solidFill>
+                  <a:srgbClr val="333333"/>
+                </a:solidFill>
+                <a:effectLst/>
+                <a:latin typeface="europa"/>
+              </a:rPr>
+              <a:t>Whenever the main purpose of data visualization is to open people’s eyes to fresh knowledge, it is impractical to avoid a certain level of visual complexity.</a:t>
+            </a:r>
+          </a:p>
+          <a:p>
+            <a:pPr algn="l"/>
+            <a:endParaRPr lang="en-US" b="0" i="0" dirty="0">
+              <a:solidFill>
+                <a:srgbClr val="333333"/>
+              </a:solidFill>
+              <a:effectLst/>
+              <a:latin typeface="europa"/>
+            </a:endParaRPr>
+          </a:p>
+          <a:p>
+            <a:pPr algn="l"/>
+            <a:r>
+              <a:rPr lang="en-US" b="1" i="0" dirty="0">
+                <a:solidFill>
+                  <a:srgbClr val="333333"/>
+                </a:solidFill>
+                <a:effectLst/>
+                <a:latin typeface="europa"/>
+              </a:rPr>
+              <a:t>We can write rich and dense stories with data. We can educate the reader’s eye to become familiar with visual languages that convey the true depth of complex stories.</a:t>
+            </a:r>
+            <a:endParaRPr lang="en-US" b="0" i="0" dirty="0">
+              <a:solidFill>
+                <a:srgbClr val="333333"/>
+              </a:solidFill>
+              <a:effectLst/>
+              <a:latin typeface="europa"/>
+            </a:endParaRPr>
+          </a:p>
+          <a:p>
+            <a:pPr algn="l"/>
+            <a:endParaRPr lang="en-US" b="0" i="0" dirty="0">
+              <a:effectLst/>
+              <a:latin typeface="europa"/>
+            </a:endParaRPr>
+          </a:p>
+          <a:p>
+            <a:pPr algn="l"/>
+            <a:r>
+              <a:rPr lang="en-US" b="0" i="0" dirty="0">
+                <a:effectLst/>
+                <a:latin typeface="europa"/>
+              </a:rPr>
+              <a:t>Dense and unconventional data visualizations promote slowness — a particularly poignant goal to set in our era of ever shortening attention spans. If we can create visuals that encourage careful reading and personal engagement, people will find more and more real value in data and in what it represents.</a:t>
+            </a:r>
+          </a:p>
+          <a:p>
+            <a:pPr algn="l"/>
+            <a:endParaRPr lang="en-US" b="0" i="0" dirty="0">
+              <a:solidFill>
+                <a:srgbClr val="333333"/>
+              </a:solidFill>
+              <a:effectLst/>
+              <a:latin typeface="europa"/>
+            </a:endParaRPr>
+          </a:p>
+          <a:p>
             <a:endParaRPr lang="en-US" dirty="0"/>
           </a:p>
         </p:txBody>
@@ -977,6 +1047,721 @@
             <a:fld id="{E666506D-5C9B-294C-B2AE-15ACE8B5B9F7}" type="slidenum">
               <a:rPr lang="en-US" smtClean="0"/>
               <a:t>7</a:t>
+            </a:fld>
+            <a:endParaRPr lang="en-US"/>
+          </a:p>
+        </p:txBody>
+      </p:sp>
+    </p:spTree>
+    <p:extLst>
+      <p:ext uri="{BB962C8B-B14F-4D97-AF65-F5344CB8AC3E}">
+        <p14:creationId xmlns:p14="http://schemas.microsoft.com/office/powerpoint/2010/main" val="4269973897"/>
+      </p:ext>
+    </p:extLst>
+  </p:cSld>
+  <p:clrMapOvr>
+    <a:masterClrMapping/>
+  </p:clrMapOvr>
+</p:notes>
+</file>
+
+<file path=ppt/notesSlides/notesSlide6.xml><?xml version="1.0" encoding="utf-8"?>
+<p:notes xmlns:a="http://schemas.openxmlformats.org/drawingml/2006/main" xmlns:r="http://schemas.openxmlformats.org/officeDocument/2006/relationships" xmlns:p="http://schemas.openxmlformats.org/presentationml/2006/main">
+  <p:cSld>
+    <p:spTree>
+      <p:nvGrpSpPr>
+        <p:cNvPr id="1" name=""/>
+        <p:cNvGrpSpPr/>
+        <p:nvPr/>
+      </p:nvGrpSpPr>
+      <p:grpSpPr>
+        <a:xfrm>
+          <a:off x="0" y="0"/>
+          <a:ext cx="0" cy="0"/>
+          <a:chOff x="0" y="0"/>
+          <a:chExt cx="0" cy="0"/>
+        </a:xfrm>
+      </p:grpSpPr>
+      <p:sp>
+        <p:nvSpPr>
+          <p:cNvPr id="2" name="Slide Image Placeholder 1"/>
+          <p:cNvSpPr>
+            <a:spLocks noGrp="1" noRot="1" noChangeAspect="1"/>
+          </p:cNvSpPr>
+          <p:nvPr>
+            <p:ph type="sldImg"/>
+          </p:nvPr>
+        </p:nvSpPr>
+        <p:spPr/>
+      </p:sp>
+      <p:sp>
+        <p:nvSpPr>
+          <p:cNvPr id="3" name="Notes Placeholder 2"/>
+          <p:cNvSpPr>
+            <a:spLocks noGrp="1"/>
+          </p:cNvSpPr>
+          <p:nvPr>
+            <p:ph type="body" idx="1"/>
+          </p:nvPr>
+        </p:nvSpPr>
+        <p:spPr/>
+        <p:txBody>
+          <a:bodyPr/>
+          <a:lstStyle/>
+          <a:p>
+            <a:pPr algn="l"/>
+            <a:r>
+              <a:rPr lang="en-US" b="0" i="0" dirty="0">
+                <a:effectLst/>
+                <a:latin typeface="europa"/>
+              </a:rPr>
+              <a:t>One size does not fit all. Business intelligence tools and </a:t>
+            </a:r>
+            <a:r>
+              <a:rPr lang="en-US" b="0" i="0" dirty="0" err="1">
+                <a:effectLst/>
+                <a:latin typeface="europa"/>
+              </a:rPr>
+              <a:t>dataviz</a:t>
+            </a:r>
+            <a:r>
+              <a:rPr lang="en-US" b="0" i="0" dirty="0">
+                <a:effectLst/>
+                <a:latin typeface="europa"/>
+              </a:rPr>
+              <a:t> tools for marketers have led many to believe that the ideal way to make sense of information is to load data into a tool, pick from among a list of suggested out-of-the-box charts, and get the job done in a couple of clicks.</a:t>
+            </a:r>
+            <a:r>
+              <a:rPr lang="en-US" b="1" i="0" dirty="0">
+                <a:effectLst/>
+                <a:latin typeface="europa"/>
+              </a:rPr>
+              <a:t> This common approach is actually nothing more than blindly throwing technology at the problem</a:t>
+            </a:r>
+            <a:r>
+              <a:rPr lang="en-US" b="0" i="0" dirty="0">
+                <a:effectLst/>
+                <a:latin typeface="europa"/>
+              </a:rPr>
+              <a:t>, sometimes without spending enough time framing the question that triggered the exploration in the first place. This often leads to results that are not only practically useless, but also deeply wrong, because prepackaged solutions are rarely able to frame problems that are difficult to define, let alone solve.</a:t>
+            </a:r>
+          </a:p>
+          <a:p>
+            <a:pPr algn="l"/>
+            <a:endParaRPr lang="en-US" b="0" i="0" dirty="0">
+              <a:solidFill>
+                <a:srgbClr val="333333"/>
+              </a:solidFill>
+              <a:effectLst/>
+              <a:latin typeface="europa"/>
+            </a:endParaRPr>
+          </a:p>
+          <a:p>
+            <a:pPr algn="l"/>
+            <a:r>
+              <a:rPr lang="en-US" b="1" i="0" dirty="0">
+                <a:effectLst/>
+                <a:latin typeface="europa"/>
+              </a:rPr>
+              <a:t>Sketching with data</a:t>
+            </a:r>
+            <a:r>
+              <a:rPr lang="en-US" b="0" i="0" dirty="0">
+                <a:effectLst/>
+                <a:latin typeface="europa"/>
+              </a:rPr>
+              <a:t> — so, in a way, removing technology from the equation before bringing it back to finalize the design with digital tools —</a:t>
+            </a:r>
+            <a:r>
+              <a:rPr lang="en-US" b="1" i="0" dirty="0">
+                <a:effectLst/>
+                <a:latin typeface="europa"/>
+              </a:rPr>
+              <a:t> introduces novel ways of thinking, and leads to designs that are uniquely customized for the specific type of data problems we are working with.</a:t>
+            </a:r>
+            <a:r>
+              <a:rPr lang="en-US" b="0" i="0" dirty="0">
+                <a:effectLst/>
+                <a:latin typeface="europa"/>
+              </a:rPr>
+              <a:t> I draw to freely explore possibilities. I draw to visually understand what I am thinking, I draw to evaluate my ideas and intuitions by seeing them coming to life on paper, I draw to help my mind think without limitations, without boundaries.</a:t>
+            </a:r>
+          </a:p>
+          <a:p>
+            <a:pPr algn="l"/>
+            <a:endParaRPr lang="en-US" b="0" i="0" dirty="0">
+              <a:solidFill>
+                <a:srgbClr val="333333"/>
+              </a:solidFill>
+              <a:effectLst/>
+              <a:latin typeface="europa"/>
+            </a:endParaRPr>
+          </a:p>
+          <a:p>
+            <a:pPr algn="l"/>
+            <a:r>
+              <a:rPr lang="en-US" b="1" i="0" dirty="0">
+                <a:solidFill>
+                  <a:srgbClr val="333333"/>
+                </a:solidFill>
+                <a:effectLst/>
+                <a:latin typeface="europa"/>
+              </a:rPr>
+              <a:t>Drawing with data is an invaluable tool to discover what is unique about the numbers at hand. It also raises new questions about the data itself. This limiting practice helps to reveal new possible analyses to perform: Instead of being overwhelmed by the size of a dataset and by millions of </a:t>
+            </a:r>
+            <a:r>
+              <a:rPr lang="en-US" b="1" i="0" dirty="0" err="1">
+                <a:solidFill>
+                  <a:srgbClr val="333333"/>
+                </a:solidFill>
+                <a:effectLst/>
+                <a:latin typeface="europa"/>
+              </a:rPr>
+              <a:t>numbers,we</a:t>
+            </a:r>
+            <a:r>
+              <a:rPr lang="en-US" b="1" i="0" dirty="0">
+                <a:solidFill>
+                  <a:srgbClr val="333333"/>
+                </a:solidFill>
+                <a:effectLst/>
+                <a:latin typeface="europa"/>
+              </a:rPr>
+              <a:t> focus only on their nature, their </a:t>
+            </a:r>
+            <a:r>
+              <a:rPr lang="en-US" b="1" i="0" dirty="0" err="1">
+                <a:solidFill>
+                  <a:srgbClr val="333333"/>
+                </a:solidFill>
+                <a:effectLst/>
+                <a:latin typeface="europa"/>
+              </a:rPr>
+              <a:t>organization,and</a:t>
+            </a:r>
+            <a:r>
+              <a:rPr lang="en-US" b="1" i="0" dirty="0">
+                <a:solidFill>
+                  <a:srgbClr val="333333"/>
+                </a:solidFill>
+                <a:effectLst/>
+                <a:latin typeface="europa"/>
+              </a:rPr>
+              <a:t> doing so often opens new opportunities originating from this vantage point.</a:t>
+            </a:r>
+            <a:endParaRPr lang="en-US" b="0" i="0" dirty="0">
+              <a:solidFill>
+                <a:srgbClr val="333333"/>
+              </a:solidFill>
+              <a:effectLst/>
+              <a:latin typeface="europa"/>
+            </a:endParaRPr>
+          </a:p>
+          <a:p>
+            <a:pPr algn="l"/>
+            <a:endParaRPr lang="en-US" b="0" i="0" dirty="0">
+              <a:effectLst/>
+              <a:latin typeface="europa"/>
+            </a:endParaRPr>
+          </a:p>
+          <a:p>
+            <a:pPr algn="l"/>
+            <a:r>
+              <a:rPr lang="en-US" b="0" i="0" dirty="0">
+                <a:effectLst/>
+                <a:latin typeface="europa"/>
+              </a:rPr>
+              <a:t>To expand their data-drawing vocabulary, designers can access hundreds of years of visual information encoding — the evolution of music notation from medieval times to contemporary music, the experimentation with geometric shapes that characterized avant-garde artists of the last century. These visual languages, while clearly pursuing different goals, have a lot in common with data visualization: </a:t>
+            </a:r>
+            <a:r>
+              <a:rPr lang="en-US" b="1" i="0" dirty="0">
+                <a:effectLst/>
+                <a:latin typeface="europa"/>
+              </a:rPr>
+              <a:t>they draw on common perception principles and use simple shapes, select symbols, and a defined range of colors to create basic visual compositions that deliver a message and please the eye.</a:t>
+            </a:r>
+            <a:endParaRPr lang="en-US" b="0" i="0" dirty="0">
+              <a:effectLst/>
+              <a:latin typeface="europa"/>
+            </a:endParaRPr>
+          </a:p>
+          <a:p>
+            <a:pPr algn="l"/>
+            <a:endParaRPr lang="en-US" b="0" i="0" dirty="0">
+              <a:solidFill>
+                <a:srgbClr val="333333"/>
+              </a:solidFill>
+              <a:effectLst/>
+              <a:latin typeface="europa"/>
+            </a:endParaRPr>
+          </a:p>
+          <a:p>
+            <a:endParaRPr lang="en-US" dirty="0"/>
+          </a:p>
+        </p:txBody>
+      </p:sp>
+      <p:sp>
+        <p:nvSpPr>
+          <p:cNvPr id="4" name="Slide Number Placeholder 3"/>
+          <p:cNvSpPr>
+            <a:spLocks noGrp="1"/>
+          </p:cNvSpPr>
+          <p:nvPr>
+            <p:ph type="sldNum" sz="quarter" idx="5"/>
+          </p:nvPr>
+        </p:nvSpPr>
+        <p:spPr/>
+        <p:txBody>
+          <a:bodyPr/>
+          <a:lstStyle/>
+          <a:p>
+            <a:fld id="{E666506D-5C9B-294C-B2AE-15ACE8B5B9F7}" type="slidenum">
+              <a:rPr lang="en-US" smtClean="0"/>
+              <a:t>8</a:t>
+            </a:fld>
+            <a:endParaRPr lang="en-US"/>
+          </a:p>
+        </p:txBody>
+      </p:sp>
+    </p:spTree>
+    <p:extLst>
+      <p:ext uri="{BB962C8B-B14F-4D97-AF65-F5344CB8AC3E}">
+        <p14:creationId xmlns:p14="http://schemas.microsoft.com/office/powerpoint/2010/main" val="94473006"/>
+      </p:ext>
+    </p:extLst>
+  </p:cSld>
+  <p:clrMapOvr>
+    <a:masterClrMapping/>
+  </p:clrMapOvr>
+</p:notes>
+</file>
+
+<file path=ppt/notesSlides/notesSlide7.xml><?xml version="1.0" encoding="utf-8"?>
+<p:notes xmlns:a="http://schemas.openxmlformats.org/drawingml/2006/main" xmlns:r="http://schemas.openxmlformats.org/officeDocument/2006/relationships" xmlns:p="http://schemas.openxmlformats.org/presentationml/2006/main">
+  <p:cSld>
+    <p:spTree>
+      <p:nvGrpSpPr>
+        <p:cNvPr id="1" name=""/>
+        <p:cNvGrpSpPr/>
+        <p:nvPr/>
+      </p:nvGrpSpPr>
+      <p:grpSpPr>
+        <a:xfrm>
+          <a:off x="0" y="0"/>
+          <a:ext cx="0" cy="0"/>
+          <a:chOff x="0" y="0"/>
+          <a:chExt cx="0" cy="0"/>
+        </a:xfrm>
+      </p:grpSpPr>
+      <p:sp>
+        <p:nvSpPr>
+          <p:cNvPr id="2" name="Slide Image Placeholder 1"/>
+          <p:cNvSpPr>
+            <a:spLocks noGrp="1" noRot="1" noChangeAspect="1"/>
+          </p:cNvSpPr>
+          <p:nvPr>
+            <p:ph type="sldImg"/>
+          </p:nvPr>
+        </p:nvSpPr>
+        <p:spPr/>
+      </p:sp>
+      <p:sp>
+        <p:nvSpPr>
+          <p:cNvPr id="3" name="Notes Placeholder 2"/>
+          <p:cNvSpPr>
+            <a:spLocks noGrp="1"/>
+          </p:cNvSpPr>
+          <p:nvPr>
+            <p:ph type="body" idx="1"/>
+          </p:nvPr>
+        </p:nvSpPr>
+        <p:spPr/>
+        <p:txBody>
+          <a:bodyPr/>
+          <a:lstStyle/>
+          <a:p>
+            <a:pPr algn="l"/>
+            <a:r>
+              <a:rPr lang="en-US" b="0" i="0" dirty="0">
+                <a:effectLst/>
+                <a:latin typeface="europa"/>
+              </a:rPr>
+              <a:t>A dataset might lead to many stories. Data is a tool that filters reality in a highly subjective way, and from quantity, we can get closer to quality. </a:t>
+            </a:r>
+            <a:r>
+              <a:rPr lang="en-US" b="1" i="0" dirty="0">
+                <a:effectLst/>
+                <a:latin typeface="europa"/>
+              </a:rPr>
+              <a:t>Data, with its unique power to abstract the world, can help us understand it according to relevant factors</a:t>
+            </a:r>
+            <a:r>
+              <a:rPr lang="en-US" b="0" i="0" dirty="0">
+                <a:effectLst/>
+                <a:latin typeface="europa"/>
+              </a:rPr>
+              <a:t>. How a dataset is collected and the information included — and omitted — directly determines the course of its life. Especially if combined, data can reveal much more than originally intended. As semiologists have theorized for centuries, language is only a part of the communication process — context is equally important.</a:t>
+            </a:r>
+          </a:p>
+          <a:p>
+            <a:pPr algn="l"/>
+            <a:endParaRPr lang="en-US" b="1" i="0" dirty="0">
+              <a:solidFill>
+                <a:srgbClr val="333333"/>
+              </a:solidFill>
+              <a:effectLst/>
+              <a:latin typeface="europa"/>
+            </a:endParaRPr>
+          </a:p>
+          <a:p>
+            <a:pPr algn="l"/>
+            <a:r>
+              <a:rPr lang="en-US" b="1" i="0" dirty="0">
+                <a:solidFill>
+                  <a:srgbClr val="333333"/>
+                </a:solidFill>
+                <a:effectLst/>
+                <a:latin typeface="europa"/>
+              </a:rPr>
+              <a:t>This is why we have to reclaim a personal approach to how data is captured, analyzed and displayed, proving that subjectivity and context play a big role in understanding even big events and social changes — especially when data is about people.</a:t>
+            </a:r>
+            <a:endParaRPr lang="en-US" b="0" i="0" dirty="0">
+              <a:solidFill>
+                <a:srgbClr val="333333"/>
+              </a:solidFill>
+              <a:effectLst/>
+              <a:latin typeface="europa"/>
+            </a:endParaRPr>
+          </a:p>
+          <a:p>
+            <a:pPr algn="l"/>
+            <a:endParaRPr lang="en-US" b="0" i="0" dirty="0">
+              <a:effectLst/>
+              <a:latin typeface="europa"/>
+            </a:endParaRPr>
+          </a:p>
+          <a:p>
+            <a:pPr algn="l"/>
+            <a:r>
+              <a:rPr lang="en-US" b="0" i="0" dirty="0">
+                <a:effectLst/>
+                <a:latin typeface="europa"/>
+              </a:rPr>
+              <a:t>Data, if properly contextualized, can be an incredibly powerful tool to write more meaningful and intimate narratives.</a:t>
+            </a:r>
+          </a:p>
+          <a:p>
+            <a:pPr algn="l"/>
+            <a:endParaRPr lang="en-US" b="0" i="0" dirty="0">
+              <a:effectLst/>
+              <a:latin typeface="europa"/>
+            </a:endParaRPr>
+          </a:p>
+          <a:p>
+            <a:pPr algn="l"/>
+            <a:r>
+              <a:rPr lang="en-US" b="0" i="0" dirty="0">
+                <a:effectLst/>
+                <a:latin typeface="europa"/>
+              </a:rPr>
+              <a:t>For the first seven days of Dear Data we chose a seemingly cold and impersonal topic: how many times we checked the time in a week. </a:t>
+            </a:r>
+            <a:r>
+              <a:rPr lang="en-US" b="1" i="0" dirty="0">
+                <a:effectLst/>
+                <a:latin typeface="europa"/>
+              </a:rPr>
+              <a:t>As the weeks moved on, we shared everything about ourselves through our data:</a:t>
+            </a:r>
+            <a:r>
+              <a:rPr lang="en-US" b="0" i="0" dirty="0">
+                <a:effectLst/>
+                <a:latin typeface="europa"/>
+              </a:rPr>
+              <a:t> our envies, the sounds of our surroundings, our private moments and our eating habits.</a:t>
+            </a:r>
+            <a:endParaRPr lang="en-US" b="1" i="0" dirty="0">
+              <a:effectLst/>
+              <a:latin typeface="europa"/>
+            </a:endParaRPr>
+          </a:p>
+          <a:p>
+            <a:endParaRPr lang="en-US" dirty="0"/>
+          </a:p>
+        </p:txBody>
+      </p:sp>
+      <p:sp>
+        <p:nvSpPr>
+          <p:cNvPr id="4" name="Slide Number Placeholder 3"/>
+          <p:cNvSpPr>
+            <a:spLocks noGrp="1"/>
+          </p:cNvSpPr>
+          <p:nvPr>
+            <p:ph type="sldNum" sz="quarter" idx="5"/>
+          </p:nvPr>
+        </p:nvSpPr>
+        <p:spPr/>
+        <p:txBody>
+          <a:bodyPr/>
+          <a:lstStyle/>
+          <a:p>
+            <a:fld id="{E666506D-5C9B-294C-B2AE-15ACE8B5B9F7}" type="slidenum">
+              <a:rPr lang="en-US" smtClean="0"/>
+              <a:t>9</a:t>
+            </a:fld>
+            <a:endParaRPr lang="en-US"/>
+          </a:p>
+        </p:txBody>
+      </p:sp>
+    </p:spTree>
+    <p:extLst>
+      <p:ext uri="{BB962C8B-B14F-4D97-AF65-F5344CB8AC3E}">
+        <p14:creationId xmlns:p14="http://schemas.microsoft.com/office/powerpoint/2010/main" val="2165798314"/>
+      </p:ext>
+    </p:extLst>
+  </p:cSld>
+  <p:clrMapOvr>
+    <a:masterClrMapping/>
+  </p:clrMapOvr>
+</p:notes>
+</file>
+
+<file path=ppt/notesSlides/notesSlide8.xml><?xml version="1.0" encoding="utf-8"?>
+<p:notes xmlns:a="http://schemas.openxmlformats.org/drawingml/2006/main" xmlns:r="http://schemas.openxmlformats.org/officeDocument/2006/relationships" xmlns:p="http://schemas.openxmlformats.org/presentationml/2006/main">
+  <p:cSld>
+    <p:spTree>
+      <p:nvGrpSpPr>
+        <p:cNvPr id="1" name=""/>
+        <p:cNvGrpSpPr/>
+        <p:nvPr/>
+      </p:nvGrpSpPr>
+      <p:grpSpPr>
+        <a:xfrm>
+          <a:off x="0" y="0"/>
+          <a:ext cx="0" cy="0"/>
+          <a:chOff x="0" y="0"/>
+          <a:chExt cx="0" cy="0"/>
+        </a:xfrm>
+      </p:grpSpPr>
+      <p:sp>
+        <p:nvSpPr>
+          <p:cNvPr id="2" name="Slide Image Placeholder 1"/>
+          <p:cNvSpPr>
+            <a:spLocks noGrp="1" noRot="1" noChangeAspect="1"/>
+          </p:cNvSpPr>
+          <p:nvPr>
+            <p:ph type="sldImg"/>
+          </p:nvPr>
+        </p:nvSpPr>
+        <p:spPr/>
+      </p:sp>
+      <p:sp>
+        <p:nvSpPr>
+          <p:cNvPr id="3" name="Notes Placeholder 2"/>
+          <p:cNvSpPr>
+            <a:spLocks noGrp="1"/>
+          </p:cNvSpPr>
+          <p:nvPr>
+            <p:ph type="body" idx="1"/>
+          </p:nvPr>
+        </p:nvSpPr>
+        <p:spPr/>
+        <p:txBody>
+          <a:bodyPr/>
+          <a:lstStyle/>
+          <a:p>
+            <a:r>
+              <a:rPr lang="en-US" b="1" i="0" dirty="0">
+                <a:effectLst/>
+                <a:latin typeface="europa"/>
+              </a:rPr>
+              <a:t>Let’s just stop thinking data is perfect. It’s not. Data is primarily human-made. “Data-driven” doesn’t mean “unmistakably true,” and it never did.</a:t>
+            </a:r>
+          </a:p>
+          <a:p>
+            <a:endParaRPr lang="en-US" b="1" i="0" dirty="0">
+              <a:effectLst/>
+              <a:latin typeface="europa"/>
+            </a:endParaRPr>
+          </a:p>
+          <a:p>
+            <a:pPr algn="l"/>
+            <a:r>
+              <a:rPr lang="en-US" b="0" i="0" dirty="0">
+                <a:effectLst/>
+                <a:latin typeface="europa"/>
+              </a:rPr>
+              <a:t>It’s time to leave behind any presumption of absolute control and universal truth and embrace an informed depiction of the big numbers and small imperfections that work together to describe reality. And data visualization should embrace imperfection and approximation, allowing us to envision ways to use data to feel more empathic, to connect with ourselves and others at a deeper level. The more effort we put into researching and translating, the easier the reader will understand and relate to the stories we tell.</a:t>
+            </a:r>
+          </a:p>
+          <a:p>
+            <a:pPr algn="l"/>
+            <a:endParaRPr lang="en-US" b="1" i="0" dirty="0">
+              <a:solidFill>
+                <a:srgbClr val="333333"/>
+              </a:solidFill>
+              <a:effectLst/>
+              <a:latin typeface="europa"/>
+            </a:endParaRPr>
+          </a:p>
+          <a:p>
+            <a:pPr algn="l"/>
+            <a:r>
+              <a:rPr lang="en-US" b="1" i="0" dirty="0">
+                <a:solidFill>
+                  <a:srgbClr val="333333"/>
+                </a:solidFill>
+                <a:effectLst/>
+                <a:latin typeface="europa"/>
+              </a:rPr>
+              <a:t>But this requires a paradigm shift in the way we represent information visually.</a:t>
+            </a:r>
+            <a:endParaRPr lang="en-US" b="0" i="0" dirty="0">
+              <a:solidFill>
+                <a:srgbClr val="333333"/>
+              </a:solidFill>
+              <a:effectLst/>
+              <a:latin typeface="europa"/>
+            </a:endParaRPr>
+          </a:p>
+          <a:p>
+            <a:pPr algn="l"/>
+            <a:endParaRPr lang="en-US" b="0" i="0" dirty="0">
+              <a:effectLst/>
+              <a:latin typeface="europa"/>
+            </a:endParaRPr>
+          </a:p>
+          <a:p>
+            <a:pPr algn="l"/>
+            <a:r>
+              <a:rPr lang="en-US" b="0" i="0" dirty="0">
+                <a:effectLst/>
+                <a:latin typeface="europa"/>
+              </a:rPr>
+              <a:t>We should learn how to include and render the more qualitative and nuanced aspects of data. </a:t>
+            </a:r>
+            <a:r>
+              <a:rPr lang="en-US" b="1" i="0" dirty="0">
+                <a:effectLst/>
+                <a:latin typeface="europa"/>
+              </a:rPr>
+              <a:t>We should experiment with how to visualize uncertainty, possible errors and imperfections in our data</a:t>
+            </a:r>
+            <a:r>
+              <a:rPr lang="en-US" b="0" i="0" dirty="0">
+                <a:effectLst/>
+                <a:latin typeface="europa"/>
+              </a:rPr>
+              <a:t>. And most importantly, we should keep in mind how data can be a powerful tool for all designers, bringing stories to life in a visual way and adding structural meaning to our projects.</a:t>
+            </a:r>
+          </a:p>
+          <a:p>
+            <a:endParaRPr lang="en-US" dirty="0"/>
+          </a:p>
+        </p:txBody>
+      </p:sp>
+      <p:sp>
+        <p:nvSpPr>
+          <p:cNvPr id="4" name="Slide Number Placeholder 3"/>
+          <p:cNvSpPr>
+            <a:spLocks noGrp="1"/>
+          </p:cNvSpPr>
+          <p:nvPr>
+            <p:ph type="sldNum" sz="quarter" idx="5"/>
+          </p:nvPr>
+        </p:nvSpPr>
+        <p:spPr/>
+        <p:txBody>
+          <a:bodyPr/>
+          <a:lstStyle/>
+          <a:p>
+            <a:fld id="{E666506D-5C9B-294C-B2AE-15ACE8B5B9F7}" type="slidenum">
+              <a:rPr lang="en-US" smtClean="0"/>
+              <a:t>10</a:t>
+            </a:fld>
+            <a:endParaRPr lang="en-US"/>
+          </a:p>
+        </p:txBody>
+      </p:sp>
+    </p:spTree>
+    <p:extLst>
+      <p:ext uri="{BB962C8B-B14F-4D97-AF65-F5344CB8AC3E}">
+        <p14:creationId xmlns:p14="http://schemas.microsoft.com/office/powerpoint/2010/main" val="1282834064"/>
+      </p:ext>
+    </p:extLst>
+  </p:cSld>
+  <p:clrMapOvr>
+    <a:masterClrMapping/>
+  </p:clrMapOvr>
+</p:notes>
+</file>
+
+<file path=ppt/notesSlides/notesSlide9.xml><?xml version="1.0" encoding="utf-8"?>
+<p:notes xmlns:a="http://schemas.openxmlformats.org/drawingml/2006/main" xmlns:r="http://schemas.openxmlformats.org/officeDocument/2006/relationships" xmlns:p="http://schemas.openxmlformats.org/presentationml/2006/main">
+  <p:cSld>
+    <p:spTree>
+      <p:nvGrpSpPr>
+        <p:cNvPr id="1" name=""/>
+        <p:cNvGrpSpPr/>
+        <p:nvPr/>
+      </p:nvGrpSpPr>
+      <p:grpSpPr>
+        <a:xfrm>
+          <a:off x="0" y="0"/>
+          <a:ext cx="0" cy="0"/>
+          <a:chOff x="0" y="0"/>
+          <a:chExt cx="0" cy="0"/>
+        </a:xfrm>
+      </p:grpSpPr>
+      <p:sp>
+        <p:nvSpPr>
+          <p:cNvPr id="2" name="Slide Image Placeholder 1"/>
+          <p:cNvSpPr>
+            <a:spLocks noGrp="1" noRot="1" noChangeAspect="1"/>
+          </p:cNvSpPr>
+          <p:nvPr>
+            <p:ph type="sldImg"/>
+          </p:nvPr>
+        </p:nvSpPr>
+        <p:spPr/>
+      </p:sp>
+      <p:sp>
+        <p:nvSpPr>
+          <p:cNvPr id="3" name="Notes Placeholder 2"/>
+          <p:cNvSpPr>
+            <a:spLocks noGrp="1"/>
+          </p:cNvSpPr>
+          <p:nvPr>
+            <p:ph type="body" idx="1"/>
+          </p:nvPr>
+        </p:nvSpPr>
+        <p:spPr/>
+        <p:txBody>
+          <a:bodyPr/>
+          <a:lstStyle/>
+          <a:p>
+            <a:endParaRPr lang="en-US" dirty="0"/>
+          </a:p>
+        </p:txBody>
+      </p:sp>
+      <p:sp>
+        <p:nvSpPr>
+          <p:cNvPr id="4" name="Slide Number Placeholder 3"/>
+          <p:cNvSpPr>
+            <a:spLocks noGrp="1"/>
+          </p:cNvSpPr>
+          <p:nvPr>
+            <p:ph type="sldNum" sz="quarter" idx="5"/>
+          </p:nvPr>
+        </p:nvSpPr>
+        <p:spPr/>
+        <p:txBody>
+          <a:bodyPr/>
+          <a:lstStyle/>
+          <a:p>
+            <a:fld id="{E666506D-5C9B-294C-B2AE-15ACE8B5B9F7}" type="slidenum">
+              <a:rPr lang="en-US" smtClean="0"/>
+              <a:t>11</a:t>
             </a:fld>
             <a:endParaRPr lang="en-US"/>
           </a:p>
@@ -1220,7 +2005,7 @@
             <a:fld id="{5586B75A-687E-405C-8A0B-8D00578BA2C3}" type="datetimeFigureOut">
               <a:rPr lang="en-US" smtClean="0"/>
               <a:pPr/>
-              <a:t>8/23/24</a:t>
+              <a:t>9/13/24</a:t>
             </a:fld>
             <a:endParaRPr lang="en-US" dirty="0"/>
           </a:p>
@@ -1392,7 +2177,7 @@
             <a:fld id="{5586B75A-687E-405C-8A0B-8D00578BA2C3}" type="datetimeFigureOut">
               <a:rPr lang="en-US" smtClean="0"/>
               <a:pPr/>
-              <a:t>8/23/24</a:t>
+              <a:t>9/13/24</a:t>
             </a:fld>
             <a:endParaRPr lang="en-US" dirty="0"/>
           </a:p>
@@ -1574,7 +2359,7 @@
             <a:fld id="{5586B75A-687E-405C-8A0B-8D00578BA2C3}" type="datetimeFigureOut">
               <a:rPr lang="en-US" smtClean="0"/>
               <a:pPr/>
-              <a:t>8/23/24</a:t>
+              <a:t>9/13/24</a:t>
             </a:fld>
             <a:endParaRPr lang="en-US" dirty="0"/>
           </a:p>
@@ -1746,7 +2531,7 @@
             <a:fld id="{5586B75A-687E-405C-8A0B-8D00578BA2C3}" type="datetimeFigureOut">
               <a:rPr lang="en-US" smtClean="0"/>
               <a:pPr/>
-              <a:t>8/23/24</a:t>
+              <a:t>9/13/24</a:t>
             </a:fld>
             <a:endParaRPr lang="en-US" dirty="0"/>
           </a:p>
@@ -2002,7 +2787,7 @@
             <a:fld id="{5586B75A-687E-405C-8A0B-8D00578BA2C3}" type="datetimeFigureOut">
               <a:rPr lang="en-US" smtClean="0"/>
               <a:pPr/>
-              <a:t>8/23/24</a:t>
+              <a:t>9/13/24</a:t>
             </a:fld>
             <a:endParaRPr lang="en-US" dirty="0"/>
           </a:p>
@@ -2292,7 +3077,7 @@
             <a:fld id="{5586B75A-687E-405C-8A0B-8D00578BA2C3}" type="datetimeFigureOut">
               <a:rPr lang="en-US" smtClean="0"/>
               <a:pPr/>
-              <a:t>8/23/24</a:t>
+              <a:t>9/13/24</a:t>
             </a:fld>
             <a:endParaRPr lang="en-US" dirty="0"/>
           </a:p>
@@ -2736,7 +3521,7 @@
             <a:fld id="{5586B75A-687E-405C-8A0B-8D00578BA2C3}" type="datetimeFigureOut">
               <a:rPr lang="en-US" smtClean="0"/>
               <a:pPr/>
-              <a:t>8/23/24</a:t>
+              <a:t>9/13/24</a:t>
             </a:fld>
             <a:endParaRPr lang="en-US" dirty="0"/>
           </a:p>
@@ -2856,7 +3641,7 @@
             <a:fld id="{5586B75A-687E-405C-8A0B-8D00578BA2C3}" type="datetimeFigureOut">
               <a:rPr lang="en-US" smtClean="0"/>
               <a:pPr/>
-              <a:t>8/23/24</a:t>
+              <a:t>9/13/24</a:t>
             </a:fld>
             <a:endParaRPr lang="en-US" dirty="0"/>
           </a:p>
@@ -2953,7 +3738,7 @@
             <a:fld id="{5586B75A-687E-405C-8A0B-8D00578BA2C3}" type="datetimeFigureOut">
               <a:rPr lang="en-US" smtClean="0"/>
               <a:pPr/>
-              <a:t>8/23/24</a:t>
+              <a:t>9/13/24</a:t>
             </a:fld>
             <a:endParaRPr lang="en-US" dirty="0"/>
           </a:p>
@@ -3243,7 +4028,7 @@
             <a:fld id="{5586B75A-687E-405C-8A0B-8D00578BA2C3}" type="datetimeFigureOut">
               <a:rPr lang="en-US" smtClean="0"/>
               <a:pPr/>
-              <a:t>8/23/24</a:t>
+              <a:t>9/13/24</a:t>
             </a:fld>
             <a:endParaRPr lang="en-US" dirty="0"/>
           </a:p>
@@ -3518,7 +4303,7 @@
             <a:fld id="{5586B75A-687E-405C-8A0B-8D00578BA2C3}" type="datetimeFigureOut">
               <a:rPr lang="en-US" smtClean="0"/>
               <a:pPr/>
-              <a:t>8/23/24</a:t>
+              <a:t>9/13/24</a:t>
             </a:fld>
             <a:endParaRPr lang="en-US" dirty="0"/>
           </a:p>
@@ -3817,7 +4602,7 @@
             <a:fld id="{5586B75A-687E-405C-8A0B-8D00578BA2C3}" type="datetimeFigureOut">
               <a:rPr lang="en-US" smtClean="0"/>
               <a:pPr/>
-              <a:t>8/23/24</a:t>
+              <a:t>9/13/24</a:t>
             </a:fld>
             <a:endParaRPr lang="en-US" dirty="0"/>
           </a:p>
@@ -4417,6 +5202,382 @@
 </p:sld>
 </file>
 
+<file path=ppt/slides/slide10.xml><?xml version="1.0" encoding="utf-8"?>
+<p:sld xmlns:a="http://schemas.openxmlformats.org/drawingml/2006/main" xmlns:r="http://schemas.openxmlformats.org/officeDocument/2006/relationships" xmlns:p="http://schemas.openxmlformats.org/presentationml/2006/main">
+  <p:cSld>
+    <p:spTree>
+      <p:nvGrpSpPr>
+        <p:cNvPr id="1" name=""/>
+        <p:cNvGrpSpPr/>
+        <p:nvPr/>
+      </p:nvGrpSpPr>
+      <p:grpSpPr>
+        <a:xfrm>
+          <a:off x="0" y="0"/>
+          <a:ext cx="0" cy="0"/>
+          <a:chOff x="0" y="0"/>
+          <a:chExt cx="0" cy="0"/>
+        </a:xfrm>
+      </p:grpSpPr>
+      <p:sp>
+        <p:nvSpPr>
+          <p:cNvPr id="2" name="Title 1">
+            <a:extLst>
+              <a:ext uri="{FF2B5EF4-FFF2-40B4-BE49-F238E27FC236}">
+                <a16:creationId xmlns:a16="http://schemas.microsoft.com/office/drawing/2014/main" id="{10D330C2-52A4-1ABA-980B-56FBC97F350C}"/>
+              </a:ext>
+            </a:extLst>
+          </p:cNvPr>
+          <p:cNvSpPr>
+            <a:spLocks noGrp="1"/>
+          </p:cNvSpPr>
+          <p:nvPr>
+            <p:ph type="title"/>
+          </p:nvPr>
+        </p:nvSpPr>
+        <p:spPr/>
+        <p:txBody>
+          <a:bodyPr/>
+          <a:lstStyle/>
+          <a:p>
+            <a:r>
+              <a:rPr lang="en-US" dirty="0"/>
+              <a:t>Data Humanism: Remember That Data is Imperfect</a:t>
+            </a:r>
+          </a:p>
+        </p:txBody>
+      </p:sp>
+      <p:pic>
+        <p:nvPicPr>
+          <p:cNvPr id="4098" name="Picture 2">
+            <a:extLst>
+              <a:ext uri="{FF2B5EF4-FFF2-40B4-BE49-F238E27FC236}">
+                <a16:creationId xmlns:a16="http://schemas.microsoft.com/office/drawing/2014/main" id="{CEFEB4CA-4F9D-97E5-E5CF-54C1FC76D829}"/>
+              </a:ext>
+            </a:extLst>
+          </p:cNvPr>
+          <p:cNvPicPr>
+            <a:picLocks noChangeAspect="1" noChangeArrowheads="1"/>
+          </p:cNvPicPr>
+          <p:nvPr/>
+        </p:nvPicPr>
+        <p:blipFill>
+          <a:blip r:embed="rId3">
+            <a:extLst>
+              <a:ext uri="{28A0092B-C50C-407E-A947-70E740481C1C}">
+                <a14:useLocalDpi xmlns:a14="http://schemas.microsoft.com/office/drawing/2010/main" val="0"/>
+              </a:ext>
+            </a:extLst>
+          </a:blip>
+          <a:srcRect/>
+          <a:stretch>
+            <a:fillRect/>
+          </a:stretch>
+        </p:blipFill>
+        <p:spPr bwMode="auto">
+          <a:xfrm>
+            <a:off x="3564011" y="806450"/>
+            <a:ext cx="8007277" cy="5245100"/>
+          </a:xfrm>
+          <a:prstGeom prst="rect">
+            <a:avLst/>
+          </a:prstGeom>
+          <a:noFill/>
+          <a:extLst>
+            <a:ext uri="{909E8E84-426E-40DD-AFC4-6F175D3DCCD1}">
+              <a14:hiddenFill xmlns:a14="http://schemas.microsoft.com/office/drawing/2010/main">
+                <a:solidFill>
+                  <a:srgbClr val="FFFFFF"/>
+                </a:solidFill>
+              </a14:hiddenFill>
+            </a:ext>
+          </a:extLst>
+        </p:spPr>
+      </p:pic>
+    </p:spTree>
+    <p:extLst>
+      <p:ext uri="{BB962C8B-B14F-4D97-AF65-F5344CB8AC3E}">
+        <p14:creationId xmlns:p14="http://schemas.microsoft.com/office/powerpoint/2010/main" val="4232819281"/>
+      </p:ext>
+    </p:extLst>
+  </p:cSld>
+  <p:clrMapOvr>
+    <a:masterClrMapping/>
+  </p:clrMapOvr>
+</p:sld>
+</file>
+
+<file path=ppt/slides/slide11.xml><?xml version="1.0" encoding="utf-8"?>
+<p:sld xmlns:a="http://schemas.openxmlformats.org/drawingml/2006/main" xmlns:r="http://schemas.openxmlformats.org/officeDocument/2006/relationships" xmlns:p="http://schemas.openxmlformats.org/presentationml/2006/main">
+  <p:cSld>
+    <p:spTree>
+      <p:nvGrpSpPr>
+        <p:cNvPr id="1" name=""/>
+        <p:cNvGrpSpPr/>
+        <p:nvPr/>
+      </p:nvGrpSpPr>
+      <p:grpSpPr>
+        <a:xfrm>
+          <a:off x="0" y="0"/>
+          <a:ext cx="0" cy="0"/>
+          <a:chOff x="0" y="0"/>
+          <a:chExt cx="0" cy="0"/>
+        </a:xfrm>
+      </p:grpSpPr>
+      <p:sp>
+        <p:nvSpPr>
+          <p:cNvPr id="2" name="Title 1">
+            <a:extLst>
+              <a:ext uri="{FF2B5EF4-FFF2-40B4-BE49-F238E27FC236}">
+                <a16:creationId xmlns:a16="http://schemas.microsoft.com/office/drawing/2014/main" id="{10D330C2-52A4-1ABA-980B-56FBC97F350C}"/>
+              </a:ext>
+            </a:extLst>
+          </p:cNvPr>
+          <p:cNvSpPr>
+            <a:spLocks noGrp="1"/>
+          </p:cNvSpPr>
+          <p:nvPr>
+            <p:ph type="title"/>
+          </p:nvPr>
+        </p:nvSpPr>
+        <p:spPr/>
+        <p:txBody>
+          <a:bodyPr/>
+          <a:lstStyle/>
+          <a:p>
+            <a:r>
+              <a:rPr lang="en-US" dirty="0"/>
+              <a:t>Discussion</a:t>
+            </a:r>
+          </a:p>
+        </p:txBody>
+      </p:sp>
+      <p:sp>
+        <p:nvSpPr>
+          <p:cNvPr id="3" name="Content Placeholder 2">
+            <a:extLst>
+              <a:ext uri="{FF2B5EF4-FFF2-40B4-BE49-F238E27FC236}">
+                <a16:creationId xmlns:a16="http://schemas.microsoft.com/office/drawing/2014/main" id="{64674868-2866-029E-AAD9-83BCC8B8718E}"/>
+              </a:ext>
+            </a:extLst>
+          </p:cNvPr>
+          <p:cNvSpPr>
+            <a:spLocks noGrp="1"/>
+          </p:cNvSpPr>
+          <p:nvPr>
+            <p:ph idx="1"/>
+          </p:nvPr>
+        </p:nvSpPr>
+        <p:spPr>
+          <a:xfrm>
+            <a:off x="3869268" y="864108"/>
+            <a:ext cx="7315200" cy="5120640"/>
+          </a:xfrm>
+        </p:spPr>
+        <p:txBody>
+          <a:bodyPr anchor="t">
+            <a:normAutofit/>
+          </a:bodyPr>
+          <a:lstStyle/>
+          <a:p>
+            <a:pPr marL="182880" marR="0" lvl="0" indent="-182880" algn="l" defTabSz="914400" rtl="0" eaLnBrk="1" fontAlgn="auto" latinLnBrk="0" hangingPunct="1">
+              <a:lnSpc>
+                <a:spcPct val="100000"/>
+              </a:lnSpc>
+              <a:spcBef>
+                <a:spcPts val="0"/>
+              </a:spcBef>
+              <a:spcAft>
+                <a:spcPts val="0"/>
+              </a:spcAft>
+              <a:buClr>
+                <a:srgbClr val="93A299"/>
+              </a:buClr>
+              <a:buSzPts val="2040"/>
+              <a:buFont typeface="Arial"/>
+              <a:buChar char="•"/>
+              <a:tabLst/>
+              <a:defRPr/>
+            </a:pPr>
+            <a:endParaRPr lang="en-US" sz="2400" kern="0" dirty="0">
+              <a:ea typeface="Arial"/>
+              <a:cs typeface="Arial"/>
+              <a:sym typeface="Arial"/>
+            </a:endParaRPr>
+          </a:p>
+          <a:p>
+            <a:pPr marL="182880" marR="0" lvl="0" indent="-182880" algn="l" defTabSz="914400" rtl="0" eaLnBrk="1" fontAlgn="auto" latinLnBrk="0" hangingPunct="1">
+              <a:lnSpc>
+                <a:spcPct val="100000"/>
+              </a:lnSpc>
+              <a:spcBef>
+                <a:spcPts val="0"/>
+              </a:spcBef>
+              <a:spcAft>
+                <a:spcPts val="0"/>
+              </a:spcAft>
+              <a:buClr>
+                <a:srgbClr val="93A299"/>
+              </a:buClr>
+              <a:buSzPts val="2040"/>
+              <a:buFont typeface="Arial"/>
+              <a:buChar char="•"/>
+              <a:tabLst/>
+              <a:defRPr/>
+            </a:pPr>
+            <a:endParaRPr lang="en-US" sz="2400" kern="0" dirty="0">
+              <a:ea typeface="Arial"/>
+              <a:cs typeface="Arial"/>
+              <a:sym typeface="Arial"/>
+            </a:endParaRPr>
+          </a:p>
+          <a:p>
+            <a:pPr marL="182880" marR="0" lvl="0" indent="-182880" algn="l" defTabSz="914400" rtl="0" eaLnBrk="1" fontAlgn="auto" latinLnBrk="0" hangingPunct="1">
+              <a:lnSpc>
+                <a:spcPct val="100000"/>
+              </a:lnSpc>
+              <a:spcBef>
+                <a:spcPts val="0"/>
+              </a:spcBef>
+              <a:spcAft>
+                <a:spcPts val="0"/>
+              </a:spcAft>
+              <a:buClr>
+                <a:srgbClr val="93A299"/>
+              </a:buClr>
+              <a:buSzPts val="2040"/>
+              <a:buFont typeface="Arial"/>
+              <a:buChar char="•"/>
+              <a:tabLst/>
+              <a:defRPr/>
+            </a:pPr>
+            <a:endParaRPr lang="en-US" sz="2400" kern="0" dirty="0">
+              <a:ea typeface="Arial"/>
+              <a:cs typeface="Arial"/>
+              <a:sym typeface="Arial"/>
+            </a:endParaRPr>
+          </a:p>
+          <a:p>
+            <a:pPr marL="182880" marR="0" lvl="0" indent="-182880" algn="l" defTabSz="914400" rtl="0" eaLnBrk="1" fontAlgn="auto" latinLnBrk="0" hangingPunct="1">
+              <a:lnSpc>
+                <a:spcPct val="100000"/>
+              </a:lnSpc>
+              <a:spcBef>
+                <a:spcPts val="0"/>
+              </a:spcBef>
+              <a:spcAft>
+                <a:spcPts val="0"/>
+              </a:spcAft>
+              <a:buClr>
+                <a:srgbClr val="93A299"/>
+              </a:buClr>
+              <a:buSzPts val="2040"/>
+              <a:buFont typeface="Arial"/>
+              <a:buChar char="•"/>
+              <a:tabLst/>
+              <a:defRPr/>
+            </a:pPr>
+            <a:endParaRPr lang="en-US" sz="2400" kern="0" dirty="0">
+              <a:ea typeface="Arial"/>
+              <a:cs typeface="Arial"/>
+              <a:sym typeface="Arial"/>
+            </a:endParaRPr>
+          </a:p>
+          <a:p>
+            <a:pPr marL="182880" marR="0" lvl="0" indent="-182880" algn="l" defTabSz="914400" rtl="0" eaLnBrk="1" fontAlgn="auto" latinLnBrk="0" hangingPunct="1">
+              <a:lnSpc>
+                <a:spcPct val="100000"/>
+              </a:lnSpc>
+              <a:spcBef>
+                <a:spcPts val="0"/>
+              </a:spcBef>
+              <a:spcAft>
+                <a:spcPts val="0"/>
+              </a:spcAft>
+              <a:buClr>
+                <a:srgbClr val="93A299"/>
+              </a:buClr>
+              <a:buSzPts val="2040"/>
+              <a:buFont typeface="Arial"/>
+              <a:buChar char="•"/>
+              <a:tabLst/>
+              <a:defRPr/>
+            </a:pPr>
+            <a:endParaRPr lang="en-US" sz="2400" kern="0" dirty="0">
+              <a:ea typeface="Arial"/>
+              <a:cs typeface="Arial"/>
+              <a:sym typeface="Arial"/>
+            </a:endParaRPr>
+          </a:p>
+          <a:p>
+            <a:pPr marL="182880" marR="0" lvl="0" indent="-182880" algn="l" defTabSz="914400" rtl="0" eaLnBrk="1" fontAlgn="auto" latinLnBrk="0" hangingPunct="1">
+              <a:lnSpc>
+                <a:spcPct val="100000"/>
+              </a:lnSpc>
+              <a:spcBef>
+                <a:spcPts val="0"/>
+              </a:spcBef>
+              <a:spcAft>
+                <a:spcPts val="0"/>
+              </a:spcAft>
+              <a:buClr>
+                <a:srgbClr val="93A299"/>
+              </a:buClr>
+              <a:buSzPts val="2040"/>
+              <a:buFont typeface="Arial"/>
+              <a:buChar char="•"/>
+              <a:tabLst/>
+              <a:defRPr/>
+            </a:pPr>
+            <a:endParaRPr lang="en-US" sz="2400" kern="0" dirty="0">
+              <a:ea typeface="Arial"/>
+              <a:cs typeface="Arial"/>
+              <a:sym typeface="Arial"/>
+            </a:endParaRPr>
+          </a:p>
+          <a:p>
+            <a:pPr marL="0" marR="0" lvl="0" indent="0" algn="l" defTabSz="914400" rtl="0" eaLnBrk="1" fontAlgn="auto" latinLnBrk="0" hangingPunct="1">
+              <a:lnSpc>
+                <a:spcPct val="100000"/>
+              </a:lnSpc>
+              <a:spcBef>
+                <a:spcPts val="0"/>
+              </a:spcBef>
+              <a:spcAft>
+                <a:spcPts val="0"/>
+              </a:spcAft>
+              <a:buClr>
+                <a:srgbClr val="93A299"/>
+              </a:buClr>
+              <a:buSzPts val="2040"/>
+              <a:buNone/>
+              <a:tabLst/>
+              <a:defRPr/>
+            </a:pPr>
+            <a:r>
+              <a:rPr lang="en-US" sz="2400" kern="0" dirty="0">
+                <a:ea typeface="Arial"/>
+                <a:cs typeface="Arial"/>
+                <a:sym typeface="Arial"/>
+              </a:rPr>
+              <a:t>Does this approach fit into the theoretical picture we’ve developed so far? Why or why not? </a:t>
+            </a:r>
+          </a:p>
+        </p:txBody>
+      </p:sp>
+    </p:spTree>
+    <p:extLst>
+      <p:ext uri="{BB962C8B-B14F-4D97-AF65-F5344CB8AC3E}">
+        <p14:creationId xmlns:p14="http://schemas.microsoft.com/office/powerpoint/2010/main" val="2228282625"/>
+      </p:ext>
+    </p:extLst>
+  </p:cSld>
+  <p:clrMapOvr>
+    <a:masterClrMapping/>
+  </p:clrMapOvr>
+</p:sld>
+</file>
+
 <file path=ppt/slides/slide2.xml><?xml version="1.0" encoding="utf-8"?>
 <p:sld xmlns:a="http://schemas.openxmlformats.org/drawingml/2006/main" xmlns:r="http://schemas.openxmlformats.org/officeDocument/2006/relationships" xmlns:p="http://schemas.openxmlformats.org/presentationml/2006/main">
   <p:cSld>
@@ -6037,234 +7198,439 @@
           <a:p>
             <a:r>
               <a:rPr lang="en-US" dirty="0"/>
-              <a:t>Discussion</a:t>
-            </a:r>
-          </a:p>
-        </p:txBody>
-      </p:sp>
-      <p:sp>
-        <p:nvSpPr>
-          <p:cNvPr id="3" name="Content Placeholder 2">
+              <a:t>Data Humanism: Embrace Complexity </a:t>
+            </a:r>
+          </a:p>
+        </p:txBody>
+      </p:sp>
+      <p:pic>
+        <p:nvPicPr>
+          <p:cNvPr id="3" name="Picture 2" descr="Accurat for Corriere Della Sera. Series of exploratory, dense, data-driven narratives published in La Lettura, the Sunday cultural supplement, 2013.">
             <a:extLst>
               <a:ext uri="{FF2B5EF4-FFF2-40B4-BE49-F238E27FC236}">
-                <a16:creationId xmlns:a16="http://schemas.microsoft.com/office/drawing/2014/main" id="{64674868-2866-029E-AAD9-83BCC8B8718E}"/>
+                <a16:creationId xmlns:a16="http://schemas.microsoft.com/office/drawing/2014/main" id="{5AD4E9A1-1408-268E-BD5D-07D8397FE96B}"/>
               </a:ext>
             </a:extLst>
           </p:cNvPr>
-          <p:cNvSpPr>
-            <a:spLocks noGrp="1"/>
-          </p:cNvSpPr>
-          <p:nvPr>
-            <p:ph idx="1"/>
-          </p:nvPr>
-        </p:nvSpPr>
-        <p:spPr>
+          <p:cNvPicPr>
+            <a:picLocks noChangeAspect="1" noChangeArrowheads="1"/>
+          </p:cNvPicPr>
+          <p:nvPr/>
+        </p:nvPicPr>
+        <p:blipFill>
+          <a:blip r:embed="rId3">
+            <a:extLst>
+              <a:ext uri="{28A0092B-C50C-407E-A947-70E740481C1C}">
+                <a14:useLocalDpi xmlns:a14="http://schemas.microsoft.com/office/drawing/2010/main" val="0"/>
+              </a:ext>
+            </a:extLst>
+          </a:blip>
+          <a:srcRect/>
+          <a:stretch>
+            <a:fillRect/>
+          </a:stretch>
+        </p:blipFill>
+        <p:spPr bwMode="auto">
           <a:xfrm>
-            <a:off x="3869268" y="864108"/>
-            <a:ext cx="7315200" cy="5120640"/>
+            <a:off x="3104232" y="736975"/>
+            <a:ext cx="9087768" cy="5729591"/>
           </a:xfrm>
+          <a:prstGeom prst="rect">
+            <a:avLst/>
+          </a:prstGeom>
+          <a:noFill/>
+          <a:extLst>
+            <a:ext uri="{909E8E84-426E-40DD-AFC4-6F175D3DCCD1}">
+              <a14:hiddenFill xmlns:a14="http://schemas.microsoft.com/office/drawing/2010/main">
+                <a:solidFill>
+                  <a:srgbClr val="FFFFFF"/>
+                </a:solidFill>
+              </a14:hiddenFill>
+            </a:ext>
+          </a:extLst>
         </p:spPr>
-        <p:txBody>
-          <a:bodyPr anchor="t">
-            <a:normAutofit/>
-          </a:bodyPr>
-          <a:lstStyle/>
-          <a:p>
-            <a:pPr marL="182880" marR="0" lvl="0" indent="-182880" algn="l" defTabSz="914400" rtl="0" eaLnBrk="1" fontAlgn="auto" latinLnBrk="0" hangingPunct="1">
-              <a:lnSpc>
-                <a:spcPct val="100000"/>
-              </a:lnSpc>
-              <a:spcBef>
-                <a:spcPts val="0"/>
-              </a:spcBef>
-              <a:spcAft>
-                <a:spcPts val="0"/>
-              </a:spcAft>
-              <a:buClr>
-                <a:srgbClr val="93A299"/>
-              </a:buClr>
-              <a:buSzPts val="2040"/>
-              <a:buFont typeface="Arial"/>
-              <a:buChar char="•"/>
-              <a:tabLst/>
-              <a:defRPr/>
-            </a:pPr>
-            <a:endParaRPr lang="en-US" sz="2400" kern="0" dirty="0">
-              <a:ea typeface="Arial"/>
-              <a:cs typeface="Arial"/>
-              <a:sym typeface="Arial"/>
-            </a:endParaRPr>
-          </a:p>
-          <a:p>
-            <a:pPr marL="182880" marR="0" lvl="0" indent="-182880" algn="l" defTabSz="914400" rtl="0" eaLnBrk="1" fontAlgn="auto" latinLnBrk="0" hangingPunct="1">
-              <a:lnSpc>
-                <a:spcPct val="100000"/>
-              </a:lnSpc>
-              <a:spcBef>
-                <a:spcPts val="0"/>
-              </a:spcBef>
-              <a:spcAft>
-                <a:spcPts val="0"/>
-              </a:spcAft>
-              <a:buClr>
-                <a:srgbClr val="93A299"/>
-              </a:buClr>
-              <a:buSzPts val="2040"/>
-              <a:buFont typeface="Arial"/>
-              <a:buChar char="•"/>
-              <a:tabLst/>
-              <a:defRPr/>
-            </a:pPr>
-            <a:endParaRPr lang="en-US" sz="2400" kern="0" dirty="0">
-              <a:ea typeface="Arial"/>
-              <a:cs typeface="Arial"/>
-              <a:sym typeface="Arial"/>
-            </a:endParaRPr>
-          </a:p>
-          <a:p>
-            <a:pPr marL="182880" marR="0" lvl="0" indent="-182880" algn="l" defTabSz="914400" rtl="0" eaLnBrk="1" fontAlgn="auto" latinLnBrk="0" hangingPunct="1">
-              <a:lnSpc>
-                <a:spcPct val="100000"/>
-              </a:lnSpc>
-              <a:spcBef>
-                <a:spcPts val="0"/>
-              </a:spcBef>
-              <a:spcAft>
-                <a:spcPts val="0"/>
-              </a:spcAft>
-              <a:buClr>
-                <a:srgbClr val="93A299"/>
-              </a:buClr>
-              <a:buSzPts val="2040"/>
-              <a:buFont typeface="Arial"/>
-              <a:buChar char="•"/>
-              <a:tabLst/>
-              <a:defRPr/>
-            </a:pPr>
-            <a:endParaRPr lang="en-US" sz="2400" kern="0" dirty="0">
-              <a:ea typeface="Arial"/>
-              <a:cs typeface="Arial"/>
-              <a:sym typeface="Arial"/>
-            </a:endParaRPr>
-          </a:p>
-          <a:p>
-            <a:pPr marL="182880" marR="0" lvl="0" indent="-182880" algn="l" defTabSz="914400" rtl="0" eaLnBrk="1" fontAlgn="auto" latinLnBrk="0" hangingPunct="1">
-              <a:lnSpc>
-                <a:spcPct val="100000"/>
-              </a:lnSpc>
-              <a:spcBef>
-                <a:spcPts val="0"/>
-              </a:spcBef>
-              <a:spcAft>
-                <a:spcPts val="0"/>
-              </a:spcAft>
-              <a:buClr>
-                <a:srgbClr val="93A299"/>
-              </a:buClr>
-              <a:buSzPts val="2040"/>
-              <a:buFont typeface="Arial"/>
-              <a:buChar char="•"/>
-              <a:tabLst/>
-              <a:defRPr/>
-            </a:pPr>
-            <a:endParaRPr lang="en-US" sz="2400" kern="0" dirty="0">
-              <a:ea typeface="Arial"/>
-              <a:cs typeface="Arial"/>
-              <a:sym typeface="Arial"/>
-            </a:endParaRPr>
-          </a:p>
-          <a:p>
-            <a:pPr marL="182880" marR="0" lvl="0" indent="-182880" algn="l" defTabSz="914400" rtl="0" eaLnBrk="1" fontAlgn="auto" latinLnBrk="0" hangingPunct="1">
-              <a:lnSpc>
-                <a:spcPct val="100000"/>
-              </a:lnSpc>
-              <a:spcBef>
-                <a:spcPts val="0"/>
-              </a:spcBef>
-              <a:spcAft>
-                <a:spcPts val="0"/>
-              </a:spcAft>
-              <a:buClr>
-                <a:srgbClr val="93A299"/>
-              </a:buClr>
-              <a:buSzPts val="2040"/>
-              <a:buFont typeface="Arial"/>
-              <a:buChar char="•"/>
-              <a:tabLst/>
-              <a:defRPr/>
-            </a:pPr>
-            <a:endParaRPr lang="en-US" sz="2400" kern="0" dirty="0">
-              <a:ea typeface="Arial"/>
-              <a:cs typeface="Arial"/>
-              <a:sym typeface="Arial"/>
-            </a:endParaRPr>
-          </a:p>
-          <a:p>
-            <a:pPr marL="182880" marR="0" lvl="0" indent="-182880" algn="l" defTabSz="914400" rtl="0" eaLnBrk="1" fontAlgn="auto" latinLnBrk="0" hangingPunct="1">
-              <a:lnSpc>
-                <a:spcPct val="100000"/>
-              </a:lnSpc>
-              <a:spcBef>
-                <a:spcPts val="0"/>
-              </a:spcBef>
-              <a:spcAft>
-                <a:spcPts val="0"/>
-              </a:spcAft>
-              <a:buClr>
-                <a:srgbClr val="93A299"/>
-              </a:buClr>
-              <a:buSzPts val="2040"/>
-              <a:buFont typeface="Arial"/>
-              <a:buChar char="•"/>
-              <a:tabLst/>
-              <a:defRPr/>
-            </a:pPr>
-            <a:endParaRPr lang="en-US" sz="2400" kern="0" dirty="0">
-              <a:ea typeface="Arial"/>
-              <a:cs typeface="Arial"/>
-              <a:sym typeface="Arial"/>
-            </a:endParaRPr>
-          </a:p>
-          <a:p>
-            <a:pPr marL="0" marR="0" lvl="0" indent="0" algn="l" defTabSz="914400" rtl="0" eaLnBrk="1" fontAlgn="auto" latinLnBrk="0" hangingPunct="1">
-              <a:lnSpc>
-                <a:spcPct val="100000"/>
-              </a:lnSpc>
-              <a:spcBef>
-                <a:spcPts val="0"/>
-              </a:spcBef>
-              <a:spcAft>
-                <a:spcPts val="0"/>
-              </a:spcAft>
-              <a:buClr>
-                <a:srgbClr val="93A299"/>
-              </a:buClr>
-              <a:buSzPts val="2040"/>
-              <a:buNone/>
-              <a:tabLst/>
-              <a:defRPr/>
-            </a:pPr>
-            <a:r>
-              <a:rPr lang="en-US" sz="2400" kern="0" dirty="0">
-                <a:ea typeface="Arial"/>
-                <a:cs typeface="Arial"/>
-                <a:sym typeface="Arial"/>
-              </a:rPr>
-              <a:t>Does this approach fit into the theoretical picture we’ve developed so far? Why or why not? </a:t>
-            </a:r>
-          </a:p>
-        </p:txBody>
-      </p:sp>
+      </p:pic>
     </p:spTree>
     <p:extLst>
       <p:ext uri="{BB962C8B-B14F-4D97-AF65-F5344CB8AC3E}">
-        <p14:creationId xmlns:p14="http://schemas.microsoft.com/office/powerpoint/2010/main" val="2228282625"/>
+        <p14:creationId xmlns:p14="http://schemas.microsoft.com/office/powerpoint/2010/main" val="3368379139"/>
       </p:ext>
     </p:extLst>
   </p:cSld>
   <p:clrMapOvr>
     <a:masterClrMapping/>
   </p:clrMapOvr>
+</p:sld>
+</file>
+
+<file path=ppt/slides/slide8.xml><?xml version="1.0" encoding="utf-8"?>
+<p:sld xmlns:a="http://schemas.openxmlformats.org/drawingml/2006/main" xmlns:r="http://schemas.openxmlformats.org/officeDocument/2006/relationships" xmlns:p="http://schemas.openxmlformats.org/presentationml/2006/main">
+  <p:cSld>
+    <p:spTree>
+      <p:nvGrpSpPr>
+        <p:cNvPr id="1" name=""/>
+        <p:cNvGrpSpPr/>
+        <p:nvPr/>
+      </p:nvGrpSpPr>
+      <p:grpSpPr>
+        <a:xfrm>
+          <a:off x="0" y="0"/>
+          <a:ext cx="0" cy="0"/>
+          <a:chOff x="0" y="0"/>
+          <a:chExt cx="0" cy="0"/>
+        </a:xfrm>
+      </p:grpSpPr>
+      <p:sp>
+        <p:nvSpPr>
+          <p:cNvPr id="2" name="Title 1">
+            <a:extLst>
+              <a:ext uri="{FF2B5EF4-FFF2-40B4-BE49-F238E27FC236}">
+                <a16:creationId xmlns:a16="http://schemas.microsoft.com/office/drawing/2014/main" id="{10D330C2-52A4-1ABA-980B-56FBC97F350C}"/>
+              </a:ext>
+            </a:extLst>
+          </p:cNvPr>
+          <p:cNvSpPr>
+            <a:spLocks noGrp="1"/>
+          </p:cNvSpPr>
+          <p:nvPr>
+            <p:ph type="title"/>
+          </p:nvPr>
+        </p:nvSpPr>
+        <p:spPr/>
+        <p:txBody>
+          <a:bodyPr/>
+          <a:lstStyle/>
+          <a:p>
+            <a:r>
+              <a:rPr lang="en-US" dirty="0"/>
+              <a:t>Data Humanism: Move Beyond Standards</a:t>
+            </a:r>
+          </a:p>
+        </p:txBody>
+      </p:sp>
+      <p:pic>
+        <p:nvPicPr>
+          <p:cNvPr id="2050" name="Picture 2" descr="Accurat for Corriere Della Sera. “Nobels, no degrees”- Exploratory Sketch, 2013">
+            <a:extLst>
+              <a:ext uri="{FF2B5EF4-FFF2-40B4-BE49-F238E27FC236}">
+                <a16:creationId xmlns:a16="http://schemas.microsoft.com/office/drawing/2014/main" id="{C7C54E44-A2B4-6BCA-E77E-9E4B61BC57CF}"/>
+              </a:ext>
+            </a:extLst>
+          </p:cNvPr>
+          <p:cNvPicPr>
+            <a:picLocks noChangeAspect="1" noChangeArrowheads="1"/>
+          </p:cNvPicPr>
+          <p:nvPr/>
+        </p:nvPicPr>
+        <p:blipFill rotWithShape="1">
+          <a:blip r:embed="rId3">
+            <a:extLst>
+              <a:ext uri="{28A0092B-C50C-407E-A947-70E740481C1C}">
+                <a14:useLocalDpi xmlns:a14="http://schemas.microsoft.com/office/drawing/2010/main" val="0"/>
+              </a:ext>
+            </a:extLst>
+          </a:blip>
+          <a:srcRect l="26250" r="9270"/>
+          <a:stretch/>
+        </p:blipFill>
+        <p:spPr bwMode="auto">
+          <a:xfrm>
+            <a:off x="3505201" y="512762"/>
+            <a:ext cx="7861300" cy="5832475"/>
+          </a:xfrm>
+          <a:prstGeom prst="rect">
+            <a:avLst/>
+          </a:prstGeom>
+          <a:noFill/>
+          <a:extLst>
+            <a:ext uri="{909E8E84-426E-40DD-AFC4-6F175D3DCCD1}">
+              <a14:hiddenFill xmlns:a14="http://schemas.microsoft.com/office/drawing/2010/main">
+                <a:solidFill>
+                  <a:srgbClr val="FFFFFF"/>
+                </a:solidFill>
+              </a14:hiddenFill>
+            </a:ext>
+          </a:extLst>
+        </p:spPr>
+      </p:pic>
+    </p:spTree>
+    <p:extLst>
+      <p:ext uri="{BB962C8B-B14F-4D97-AF65-F5344CB8AC3E}">
+        <p14:creationId xmlns:p14="http://schemas.microsoft.com/office/powerpoint/2010/main" val="3530954380"/>
+      </p:ext>
+    </p:extLst>
+  </p:cSld>
+  <p:clrMapOvr>
+    <a:masterClrMapping/>
+  </p:clrMapOvr>
+</p:sld>
+</file>
+
+<file path=ppt/slides/slide9.xml><?xml version="1.0" encoding="utf-8"?>
+<p:sld xmlns:a="http://schemas.openxmlformats.org/drawingml/2006/main" xmlns:r="http://schemas.openxmlformats.org/officeDocument/2006/relationships" xmlns:p="http://schemas.openxmlformats.org/presentationml/2006/main">
+  <p:cSld>
+    <p:spTree>
+      <p:nvGrpSpPr>
+        <p:cNvPr id="1" name=""/>
+        <p:cNvGrpSpPr/>
+        <p:nvPr/>
+      </p:nvGrpSpPr>
+      <p:grpSpPr>
+        <a:xfrm>
+          <a:off x="0" y="0"/>
+          <a:ext cx="0" cy="0"/>
+          <a:chOff x="0" y="0"/>
+          <a:chExt cx="0" cy="0"/>
+        </a:xfrm>
+      </p:grpSpPr>
+      <p:sp>
+        <p:nvSpPr>
+          <p:cNvPr id="2" name="Title 1">
+            <a:extLst>
+              <a:ext uri="{FF2B5EF4-FFF2-40B4-BE49-F238E27FC236}">
+                <a16:creationId xmlns:a16="http://schemas.microsoft.com/office/drawing/2014/main" id="{10D330C2-52A4-1ABA-980B-56FBC97F350C}"/>
+              </a:ext>
+            </a:extLst>
+          </p:cNvPr>
+          <p:cNvSpPr>
+            <a:spLocks noGrp="1"/>
+          </p:cNvSpPr>
+          <p:nvPr>
+            <p:ph type="title"/>
+          </p:nvPr>
+        </p:nvSpPr>
+        <p:spPr/>
+        <p:txBody>
+          <a:bodyPr/>
+          <a:lstStyle/>
+          <a:p>
+            <a:r>
+              <a:rPr lang="en-US" dirty="0"/>
+              <a:t>Data Humanism: Sneak Context In (Always)</a:t>
+            </a:r>
+          </a:p>
+        </p:txBody>
+      </p:sp>
+      <p:pic>
+        <p:nvPicPr>
+          <p:cNvPr id="3074" name="Picture 2">
+            <a:extLst>
+              <a:ext uri="{FF2B5EF4-FFF2-40B4-BE49-F238E27FC236}">
+                <a16:creationId xmlns:a16="http://schemas.microsoft.com/office/drawing/2014/main" id="{C62F156C-9B32-4036-13CB-C6E7F019450B}"/>
+              </a:ext>
+            </a:extLst>
+          </p:cNvPr>
+          <p:cNvPicPr>
+            <a:picLocks noChangeAspect="1" noChangeArrowheads="1"/>
+          </p:cNvPicPr>
+          <p:nvPr/>
+        </p:nvPicPr>
+        <p:blipFill rotWithShape="1">
+          <a:blip r:embed="rId3">
+            <a:extLst>
+              <a:ext uri="{28A0092B-C50C-407E-A947-70E740481C1C}">
+                <a14:useLocalDpi xmlns:a14="http://schemas.microsoft.com/office/drawing/2010/main" val="0"/>
+              </a:ext>
+            </a:extLst>
+          </a:blip>
+          <a:srcRect l="8986" t="8034" r="45805" b="40342"/>
+          <a:stretch/>
+        </p:blipFill>
+        <p:spPr bwMode="auto">
+          <a:xfrm>
+            <a:off x="3200401" y="627914"/>
+            <a:ext cx="4139394" cy="5779715"/>
+          </a:xfrm>
+          <a:prstGeom prst="rect">
+            <a:avLst/>
+          </a:prstGeom>
+          <a:noFill/>
+          <a:extLst>
+            <a:ext uri="{909E8E84-426E-40DD-AFC4-6F175D3DCCD1}">
+              <a14:hiddenFill xmlns:a14="http://schemas.microsoft.com/office/drawing/2010/main">
+                <a:solidFill>
+                  <a:srgbClr val="FFFFFF"/>
+                </a:solidFill>
+              </a14:hiddenFill>
+            </a:ext>
+          </a:extLst>
+        </p:spPr>
+      </p:pic>
+      <p:pic>
+        <p:nvPicPr>
+          <p:cNvPr id="3" name="Picture 2">
+            <a:extLst>
+              <a:ext uri="{FF2B5EF4-FFF2-40B4-BE49-F238E27FC236}">
+                <a16:creationId xmlns:a16="http://schemas.microsoft.com/office/drawing/2014/main" id="{0150668F-13A1-151C-90F3-D551D136E6EA}"/>
+              </a:ext>
+            </a:extLst>
+          </p:cNvPr>
+          <p:cNvPicPr>
+            <a:picLocks noChangeAspect="1" noChangeArrowheads="1"/>
+          </p:cNvPicPr>
+          <p:nvPr/>
+        </p:nvPicPr>
+        <p:blipFill rotWithShape="1">
+          <a:blip r:embed="rId3">
+            <a:extLst>
+              <a:ext uri="{28A0092B-C50C-407E-A947-70E740481C1C}">
+                <a14:useLocalDpi xmlns:a14="http://schemas.microsoft.com/office/drawing/2010/main" val="0"/>
+              </a:ext>
+            </a:extLst>
+          </a:blip>
+          <a:srcRect t="60684"/>
+          <a:stretch/>
+        </p:blipFill>
+        <p:spPr bwMode="auto">
+          <a:xfrm>
+            <a:off x="7251225" y="2169617"/>
+            <a:ext cx="5608637" cy="2696308"/>
+          </a:xfrm>
+          <a:prstGeom prst="rect">
+            <a:avLst/>
+          </a:prstGeom>
+          <a:noFill/>
+          <a:extLst>
+            <a:ext uri="{909E8E84-426E-40DD-AFC4-6F175D3DCCD1}">
+              <a14:hiddenFill xmlns:a14="http://schemas.microsoft.com/office/drawing/2010/main">
+                <a:solidFill>
+                  <a:srgbClr val="FFFFFF"/>
+                </a:solidFill>
+              </a14:hiddenFill>
+            </a:ext>
+          </a:extLst>
+        </p:spPr>
+      </p:pic>
+      <p:pic>
+        <p:nvPicPr>
+          <p:cNvPr id="3076" name="Picture 4">
+            <a:extLst>
+              <a:ext uri="{FF2B5EF4-FFF2-40B4-BE49-F238E27FC236}">
+                <a16:creationId xmlns:a16="http://schemas.microsoft.com/office/drawing/2014/main" id="{67B3589A-3118-9203-9195-19B4125E64EC}"/>
+              </a:ext>
+            </a:extLst>
+          </p:cNvPr>
+          <p:cNvPicPr>
+            <a:picLocks noChangeAspect="1" noChangeArrowheads="1"/>
+          </p:cNvPicPr>
+          <p:nvPr/>
+        </p:nvPicPr>
+        <p:blipFill rotWithShape="1">
+          <a:blip r:embed="rId4">
+            <a:extLst>
+              <a:ext uri="{28A0092B-C50C-407E-A947-70E740481C1C}">
+                <a14:useLocalDpi xmlns:a14="http://schemas.microsoft.com/office/drawing/2010/main" val="0"/>
+              </a:ext>
+            </a:extLst>
+          </a:blip>
+          <a:srcRect t="67180"/>
+          <a:stretch/>
+        </p:blipFill>
+        <p:spPr bwMode="auto">
+          <a:xfrm>
+            <a:off x="3514791" y="450371"/>
+            <a:ext cx="8546547" cy="5942956"/>
+          </a:xfrm>
+          <a:prstGeom prst="rect">
+            <a:avLst/>
+          </a:prstGeom>
+          <a:noFill/>
+          <a:extLst>
+            <a:ext uri="{909E8E84-426E-40DD-AFC4-6F175D3DCCD1}">
+              <a14:hiddenFill xmlns:a14="http://schemas.microsoft.com/office/drawing/2010/main">
+                <a:solidFill>
+                  <a:srgbClr val="FFFFFF"/>
+                </a:solidFill>
+              </a14:hiddenFill>
+            </a:ext>
+          </a:extLst>
+        </p:spPr>
+      </p:pic>
+    </p:spTree>
+    <p:extLst>
+      <p:ext uri="{BB962C8B-B14F-4D97-AF65-F5344CB8AC3E}">
+        <p14:creationId xmlns:p14="http://schemas.microsoft.com/office/powerpoint/2010/main" val="4080501140"/>
+      </p:ext>
+    </p:extLst>
+  </p:cSld>
+  <p:clrMapOvr>
+    <a:masterClrMapping/>
+  </p:clrMapOvr>
+  <p:timing>
+    <p:tnLst>
+      <p:par>
+        <p:cTn id="1" dur="indefinite" restart="never" nodeType="tmRoot">
+          <p:childTnLst>
+            <p:seq concurrent="1" nextAc="seek">
+              <p:cTn id="2" dur="indefinite" nodeType="mainSeq">
+                <p:childTnLst>
+                  <p:par>
+                    <p:cTn id="3" fill="hold">
+                      <p:stCondLst>
+                        <p:cond delay="indefinite"/>
+                      </p:stCondLst>
+                      <p:childTnLst>
+                        <p:par>
+                          <p:cTn id="4" fill="hold">
+                            <p:stCondLst>
+                              <p:cond delay="0"/>
+                            </p:stCondLst>
+                            <p:childTnLst>
+                              <p:par>
+                                <p:cTn id="5" presetID="1" presetClass="entr" presetSubtype="0" fill="hold" nodeType="clickEffect">
+                                  <p:stCondLst>
+                                    <p:cond delay="0"/>
+                                  </p:stCondLst>
+                                  <p:childTnLst>
+                                    <p:set>
+                                      <p:cBhvr>
+                                        <p:cTn id="6" dur="1" fill="hold">
+                                          <p:stCondLst>
+                                            <p:cond delay="0"/>
+                                          </p:stCondLst>
+                                        </p:cTn>
+                                        <p:tgtEl>
+                                          <p:spTgt spid="3076"/>
+                                        </p:tgtEl>
+                                        <p:attrNameLst>
+                                          <p:attrName>style.visibility</p:attrName>
+                                        </p:attrNameLst>
+                                      </p:cBhvr>
+                                      <p:to>
+                                        <p:strVal val="visible"/>
+                                      </p:to>
+                                    </p:set>
+                                  </p:childTnLst>
+                                </p:cTn>
+                              </p:par>
+                            </p:childTnLst>
+                          </p:cTn>
+                        </p:par>
+                      </p:childTnLst>
+                    </p:cTn>
+                  </p:par>
+                </p:childTnLst>
+              </p:cTn>
+              <p:prevCondLst>
+                <p:cond evt="onPrev" delay="0">
+                  <p:tgtEl>
+                    <p:sldTgt/>
+                  </p:tgtEl>
+                </p:cond>
+              </p:prevCondLst>
+              <p:nextCondLst>
+                <p:cond evt="onNext" delay="0">
+                  <p:tgtEl>
+                    <p:sldTgt/>
+                  </p:tgtEl>
+                </p:cond>
+              </p:nextCondLst>
+            </p:seq>
+          </p:childTnLst>
+        </p:cTn>
+      </p:par>
+    </p:tnLst>
+  </p:timing>
 </p:sld>
 </file>
 
